--- a/Presentation.pptx
+++ b/Presentation.pptx
@@ -111,6 +111,11 @@
       </a:defRPr>
     </a:lvl9pPr>
   </p:defaultTextStyle>
+  <p:extLst>
+    <p:ext uri="{EFAFB233-063F-42B5-8137-9DF3F51BA10A}">
+      <p15:sldGuideLst xmlns:p15="http://schemas.microsoft.com/office/powerpoint/2012/main"/>
+    </p:ext>
+  </p:extLst>
 </p:presentation>
 </file>
 
@@ -603,7 +608,7 @@
           <a:p>
             <a:fld id="{72345051-2045-45DA-935E-2E3CA1A69ADC}" type="datetimeFigureOut">
               <a:rPr lang="en-US" smtClean="0"/>
-              <a:t>2/27/20</a:t>
+              <a:t>2/29/20</a:t>
             </a:fld>
             <a:endParaRPr lang="en-US"/>
           </a:p>
@@ -801,7 +806,7 @@
           <a:p>
             <a:fld id="{72345051-2045-45DA-935E-2E3CA1A69ADC}" type="datetimeFigureOut">
               <a:rPr lang="en-US" smtClean="0"/>
-              <a:t>2/27/20</a:t>
+              <a:t>2/29/20</a:t>
             </a:fld>
             <a:endParaRPr lang="en-US"/>
           </a:p>
@@ -1009,7 +1014,7 @@
           <a:p>
             <a:fld id="{72345051-2045-45DA-935E-2E3CA1A69ADC}" type="datetimeFigureOut">
               <a:rPr lang="en-US" smtClean="0"/>
-              <a:t>2/27/20</a:t>
+              <a:t>2/29/20</a:t>
             </a:fld>
             <a:endParaRPr lang="en-US"/>
           </a:p>
@@ -1232,7 +1237,7 @@
           <a:p>
             <a:fld id="{72345051-2045-45DA-935E-2E3CA1A69ADC}" type="datetimeFigureOut">
               <a:rPr lang="en-US" smtClean="0"/>
-              <a:t>2/27/20</a:t>
+              <a:t>2/29/20</a:t>
             </a:fld>
             <a:endParaRPr lang="en-US"/>
           </a:p>
@@ -2143,7 +2148,7 @@
           <a:p>
             <a:fld id="{72345051-2045-45DA-935E-2E3CA1A69ADC}" type="datetimeFigureOut">
               <a:rPr lang="en-US" smtClean="0"/>
-              <a:t>2/27/20</a:t>
+              <a:t>2/29/20</a:t>
             </a:fld>
             <a:endParaRPr lang="en-US"/>
           </a:p>
@@ -2747,7 +2752,7 @@
           <a:p>
             <a:fld id="{72345051-2045-45DA-935E-2E3CA1A69ADC}" type="datetimeFigureOut">
               <a:rPr lang="en-US" smtClean="0"/>
-              <a:t>2/27/20</a:t>
+              <a:t>2/29/20</a:t>
             </a:fld>
             <a:endParaRPr lang="en-US"/>
           </a:p>
@@ -3796,7 +3801,7 @@
           <a:p>
             <a:fld id="{72345051-2045-45DA-935E-2E3CA1A69ADC}" type="datetimeFigureOut">
               <a:rPr lang="en-US" smtClean="0"/>
-              <a:t>2/27/20</a:t>
+              <a:t>2/29/20</a:t>
             </a:fld>
             <a:endParaRPr lang="en-US"/>
           </a:p>
@@ -4580,7 +4585,7 @@
           <a:p>
             <a:fld id="{72345051-2045-45DA-935E-2E3CA1A69ADC}" type="datetimeFigureOut">
               <a:rPr lang="en-US" smtClean="0"/>
-              <a:t>2/27/20</a:t>
+              <a:t>2/29/20</a:t>
             </a:fld>
             <a:endParaRPr lang="en-US"/>
           </a:p>
@@ -5029,7 +5034,7 @@
           <a:p>
             <a:fld id="{72345051-2045-45DA-935E-2E3CA1A69ADC}" type="datetimeFigureOut">
               <a:rPr lang="en-US" smtClean="0"/>
-              <a:t>2/27/20</a:t>
+              <a:t>2/29/20</a:t>
             </a:fld>
             <a:endParaRPr lang="en-US"/>
           </a:p>
@@ -5346,7 +5351,7 @@
           <a:p>
             <a:fld id="{72345051-2045-45DA-935E-2E3CA1A69ADC}" type="datetimeFigureOut">
               <a:rPr lang="en-US" smtClean="0"/>
-              <a:t>2/27/20</a:t>
+              <a:t>2/29/20</a:t>
             </a:fld>
             <a:endParaRPr lang="en-US"/>
           </a:p>
@@ -5974,7 +5979,7 @@
           <a:p>
             <a:fld id="{72345051-2045-45DA-935E-2E3CA1A69ADC}" type="datetimeFigureOut">
               <a:rPr lang="en-US" smtClean="0"/>
-              <a:t>2/27/20</a:t>
+              <a:t>2/29/20</a:t>
             </a:fld>
             <a:endParaRPr lang="en-US"/>
           </a:p>
@@ -6549,7 +6554,7 @@
           <a:p>
             <a:fld id="{72345051-2045-45DA-935E-2E3CA1A69ADC}" type="datetimeFigureOut">
               <a:rPr lang="en-US" smtClean="0"/>
-              <a:t>2/27/20</a:t>
+              <a:t>2/29/20</a:t>
             </a:fld>
             <a:endParaRPr lang="en-US"/>
           </a:p>
@@ -8381,7 +8386,7 @@
           <a:p>
             <a:r>
               <a:rPr lang="en-US" dirty="0"/>
-              <a:t>Target</a:t>
+              <a:t>Result</a:t>
             </a:r>
           </a:p>
         </p:txBody>
@@ -8411,7 +8416,7 @@
           <a:p>
             <a:r>
               <a:rPr lang="en-US" sz="5400" b="1" dirty="0"/>
-              <a:t>The main aim of this project is to create a reliable price prediction model using machine learning, deep learning, and natural language processing techniques which could help both the home owners and the customers with price evaluation given minimal available information about the property.</a:t>
+              <a:t>The main aim of this project is to create a reliable price prediction model using machine learning and natural language processing techniques which could help both the home owners and the customers with price evaluation given minimal available information about the property.</a:t>
             </a:r>
           </a:p>
           <a:p>
